--- a/web/Perguntas_e_Respostas/Informatica/ADS/0002_POO/0002_Unidade02.pptx
+++ b/web/Perguntas_e_Respostas/Informatica/ADS/0002_POO/0002_Unidade02.pptx
@@ -20563,30 +20563,195 @@
           </a:p>
         </p:txBody>
       </p:sp>
-      <p:pic>
-        <p:nvPicPr>
-          <p:cNvPr id="2" name="Imagem 1"/>
-          <p:cNvPicPr>
-            <a:picLocks noChangeAspect="1"/>
-          </p:cNvPicPr>
+      <p:grpSp>
+        <p:nvGrpSpPr>
+          <p:cNvPr id="4" name="Grupo 3"/>
+          <p:cNvGrpSpPr/>
           <p:nvPr/>
-        </p:nvPicPr>
-        <p:blipFill>
-          <a:blip r:embed="rId3"/>
-          <a:stretch>
-            <a:fillRect/>
-          </a:stretch>
-        </p:blipFill>
-        <p:spPr>
-          <a:xfrm>
-            <a:off x="1057418" y="398678"/>
-            <a:ext cx="6805037" cy="4360358"/>
-          </a:xfrm>
-          <a:prstGeom prst="rect">
+        </p:nvGrpSpPr>
+        <p:grpSpPr>
+          <a:xfrm>
+            <a:off x="567049" y="380466"/>
+            <a:ext cx="7908735" cy="485201"/>
+            <a:chOff x="285728" y="1518382"/>
+            <a:chExt cx="6239616" cy="569643"/>
+          </a:xfrm>
+        </p:grpSpPr>
+        <p:sp>
+          <p:nvSpPr>
+            <p:cNvPr id="5" name="Retângulo de cantos arredondados 4"/>
+            <p:cNvSpPr/>
+            <p:nvPr/>
+          </p:nvSpPr>
+          <p:spPr>
+            <a:xfrm>
+              <a:off x="285728" y="1539333"/>
+              <a:ext cx="6239616" cy="548692"/>
+            </a:xfrm>
+            <a:prstGeom prst="roundRect">
+              <a:avLst/>
+            </a:prstGeom>
+          </p:spPr>
+          <p:style>
+            <a:lnRef idx="2">
+              <a:schemeClr val="accent1"/>
+            </a:lnRef>
+            <a:fillRef idx="1">
+              <a:schemeClr val="lt1"/>
+            </a:fillRef>
+            <a:effectRef idx="0">
+              <a:schemeClr val="accent1"/>
+            </a:effectRef>
+            <a:fontRef idx="minor">
+              <a:schemeClr val="dk1"/>
+            </a:fontRef>
+          </p:style>
+          <p:txBody>
+            <a:bodyPr rtlCol="0" anchor="ctr"/>
+            <a:lstStyle/>
+            <a:p>
+              <a:pPr algn="ctr"/>
+              <a:r>
+                <a:rPr lang="pt-BR" dirty="0" smtClean="0"/>
+                <a:t>Exercício(s)</a:t>
+              </a:r>
+              <a:endParaRPr lang="pt-BR" dirty="0"/>
+            </a:p>
+          </p:txBody>
+        </p:sp>
+        <p:pic>
+          <p:nvPicPr>
+            <p:cNvPr id="6" name="Picture 6" descr="Examination And Approval Management Svg - Approval Management Icon Png ,  Transparent Cartoon - Jing.fm"/>
+            <p:cNvPicPr>
+              <a:picLocks noChangeAspect="1" noChangeArrowheads="1"/>
+            </p:cNvPicPr>
+            <p:nvPr/>
+          </p:nvPicPr>
+          <p:blipFill>
+            <a:blip r:embed="rId3" cstate="print">
+              <a:extLst>
+                <a:ext uri="{28A0092B-C50C-407E-A947-70E740481C1C}">
+                  <a14:useLocalDpi xmlns:a14="http://schemas.microsoft.com/office/drawing/2010/main" val="0"/>
+                </a:ext>
+              </a:extLst>
+            </a:blip>
+            <a:srcRect/>
+            <a:stretch>
+              <a:fillRect/>
+            </a:stretch>
+          </p:blipFill>
+          <p:spPr bwMode="auto">
+            <a:xfrm>
+              <a:off x="338824" y="1518382"/>
+              <a:ext cx="713911" cy="554298"/>
+            </a:xfrm>
+            <a:prstGeom prst="rect">
+              <a:avLst/>
+            </a:prstGeom>
+            <a:noFill/>
+            <a:extLst>
+              <a:ext uri="{909E8E84-426E-40DD-AFC4-6F175D3DCCD1}">
+                <a14:hiddenFill xmlns:a14="http://schemas.microsoft.com/office/drawing/2010/main">
+                  <a:solidFill>
+                    <a:srgbClr val="FFFFFF"/>
+                  </a:solidFill>
+                </a14:hiddenFill>
+              </a:ext>
+            </a:extLst>
+          </p:spPr>
+        </p:pic>
+      </p:grpSp>
+      <p:sp>
+        <p:nvSpPr>
+          <p:cNvPr id="7" name="Retângulo de cantos arredondados 6"/>
+          <p:cNvSpPr/>
+          <p:nvPr/>
+        </p:nvSpPr>
+        <p:spPr>
+          <a:xfrm>
+            <a:off x="567049" y="883511"/>
+            <a:ext cx="7908735" cy="3868597"/>
+          </a:xfrm>
+          <a:prstGeom prst="roundRect">
             <a:avLst/>
           </a:prstGeom>
-        </p:spPr>
-      </p:pic>
+          <a:solidFill>
+            <a:schemeClr val="accent5">
+              <a:lumMod val="20000"/>
+              <a:lumOff val="80000"/>
+            </a:schemeClr>
+          </a:solidFill>
+        </p:spPr>
+        <p:style>
+          <a:lnRef idx="2">
+            <a:schemeClr val="accent1"/>
+          </a:lnRef>
+          <a:fillRef idx="1">
+            <a:schemeClr val="lt1"/>
+          </a:fillRef>
+          <a:effectRef idx="0">
+            <a:schemeClr val="accent1"/>
+          </a:effectRef>
+          <a:fontRef idx="minor">
+            <a:schemeClr val="dk1"/>
+          </a:fontRef>
+        </p:style>
+        <p:txBody>
+          <a:bodyPr rtlCol="0" anchor="t"/>
+          <a:lstStyle/>
+          <a:p>
+            <a:r>
+              <a:rPr lang="pt-BR" sz="2000" dirty="0" smtClean="0"/>
+              <a:t>Qual dos itens abaixo não faz parte dos pilares da programação orientada a objetos?</a:t>
+            </a:r>
+          </a:p>
+          <a:p>
+            <a:endParaRPr lang="pt-BR" sz="2000" dirty="0"/>
+          </a:p>
+          <a:p>
+            <a:pPr marL="342900" indent="-342900">
+              <a:buAutoNum type="alphaUcParenR"/>
+            </a:pPr>
+            <a:r>
+              <a:rPr lang="pt-BR" sz="2000" dirty="0" smtClean="0"/>
+              <a:t>Herança</a:t>
+            </a:r>
+          </a:p>
+          <a:p>
+            <a:pPr marL="342900" indent="-342900">
+              <a:buAutoNum type="alphaUcParenR"/>
+            </a:pPr>
+            <a:r>
+              <a:rPr lang="pt-BR" sz="2000" dirty="0" smtClean="0"/>
+              <a:t>String</a:t>
+            </a:r>
+          </a:p>
+          <a:p>
+            <a:pPr marL="342900" indent="-342900">
+              <a:buAutoNum type="alphaUcParenR"/>
+            </a:pPr>
+            <a:r>
+              <a:rPr lang="pt-BR" sz="2000" dirty="0" smtClean="0"/>
+              <a:t>Polimorfismo</a:t>
+            </a:r>
+          </a:p>
+          <a:p>
+            <a:pPr marL="342900" indent="-342900">
+              <a:buAutoNum type="alphaUcParenR"/>
+            </a:pPr>
+            <a:r>
+              <a:rPr lang="pt-BR" sz="2000" dirty="0" smtClean="0"/>
+              <a:t>Classe</a:t>
+            </a:r>
+          </a:p>
+          <a:p>
+            <a:pPr marL="342900" indent="-342900">
+              <a:buAutoNum type="alphaUcParenR"/>
+            </a:pPr>
+            <a:endParaRPr lang="pt-BR" sz="2000" dirty="0"/>
+          </a:p>
+        </p:txBody>
+      </p:sp>
     </p:spTree>
     <p:extLst>
       <p:ext uri="{BB962C8B-B14F-4D97-AF65-F5344CB8AC3E}">
@@ -20680,22 +20845,21 @@
       </p:sp>
       <p:pic>
         <p:nvPicPr>
-          <p:cNvPr id="3" name="Imagem 2"/>
+          <p:cNvPr id="2" name="Imagem 1"/>
           <p:cNvPicPr>
             <a:picLocks noChangeAspect="1"/>
           </p:cNvPicPr>
           <p:nvPr/>
         </p:nvPicPr>
-        <p:blipFill>
+        <p:blipFill rotWithShape="1">
           <a:blip r:embed="rId3"/>
-          <a:stretch>
-            <a:fillRect/>
-          </a:stretch>
+          <a:srcRect l="873"/>
+          <a:stretch/>
         </p:blipFill>
         <p:spPr>
           <a:xfrm>
-            <a:off x="1105476" y="554182"/>
-            <a:ext cx="6966259" cy="4110831"/>
+            <a:off x="1288473" y="793100"/>
+            <a:ext cx="6280150" cy="3723482"/>
           </a:xfrm>
           <a:prstGeom prst="rect">
             <a:avLst/>

--- a/web/Perguntas_e_Respostas/Informatica/ADS/0002_POO/0002_Unidade02.pptx
+++ b/web/Perguntas_e_Respostas/Informatica/ADS/0002_POO/0002_Unidade02.pptx
@@ -20740,9 +20740,10 @@
               <a:buAutoNum type="alphaUcParenR"/>
             </a:pPr>
             <a:r>
-              <a:rPr lang="pt-BR" sz="2000" dirty="0" smtClean="0"/>
-              <a:t>Classe</a:t>
+              <a:rPr lang="pt-BR" sz="2000" smtClean="0"/>
+              <a:t>Encapsulamento</a:t>
             </a:r>
+            <a:endParaRPr lang="pt-BR" sz="2000" dirty="0" smtClean="0"/>
           </a:p>
           <a:p>
             <a:pPr marL="342900" indent="-342900">
